--- a/assignment1/task1/ER-assignment1.pptx
+++ b/assignment1/task1/ER-assignment1.pptx
@@ -6492,10 +6492,10 @@
       </p:cxnSp>
       <p:sp>
         <p:nvSpPr>
-          <p:cNvPr id="250" name="Oval 249">
-            <a:extLst>
-              <a:ext uri="{FF2B5EF4-FFF2-40B4-BE49-F238E27FC236}">
-                <a16:creationId xmlns:a16="http://schemas.microsoft.com/office/drawing/2014/main" id="{F32C8251-0C66-6B79-CFD4-86BC1A98C0B6}"/>
+          <p:cNvPr id="255" name="Oval 254">
+            <a:extLst>
+              <a:ext uri="{FF2B5EF4-FFF2-40B4-BE49-F238E27FC236}">
+                <a16:creationId xmlns:a16="http://schemas.microsoft.com/office/drawing/2014/main" id="{325BFC4B-CBC9-733D-8960-970BCA89416F}"/>
               </a:ext>
             </a:extLst>
           </p:cNvPr>
@@ -6504,8 +6504,8 @@
         </p:nvSpPr>
         <p:spPr>
           <a:xfrm>
-            <a:off x="7617705" y="3496147"/>
-            <a:ext cx="816473" cy="571851"/>
+            <a:off x="1970991" y="2746633"/>
+            <a:ext cx="970629" cy="508000"/>
           </a:xfrm>
           <a:prstGeom prst="ellipse">
             <a:avLst/>
@@ -6536,32 +6536,32 @@
           <a:p>
             <a:pPr algn="ctr"/>
             <a:r>
-              <a:rPr lang="en-DK" sz="1200" dirty="0"/>
-              <a:t>Time</a:t>
+              <a:rPr lang="en-DK" sz="1200" u="sng" dirty="0"/>
+              <a:t>Cusine name</a:t>
             </a:r>
           </a:p>
         </p:txBody>
       </p:sp>
       <p:cxnSp>
         <p:nvCxnSpPr>
-          <p:cNvPr id="251" name="Straight Connector 250">
-            <a:extLst>
-              <a:ext uri="{FF2B5EF4-FFF2-40B4-BE49-F238E27FC236}">
-                <a16:creationId xmlns:a16="http://schemas.microsoft.com/office/drawing/2014/main" id="{18857852-9B6D-BE70-0C99-7D0CBC19C536}"/>
+          <p:cNvPr id="256" name="Straight Connector 255">
+            <a:extLst>
+              <a:ext uri="{FF2B5EF4-FFF2-40B4-BE49-F238E27FC236}">
+                <a16:creationId xmlns:a16="http://schemas.microsoft.com/office/drawing/2014/main" id="{D7B63E7C-1D5E-6D52-2D7C-1059B9FC20BB}"/>
               </a:ext>
             </a:extLst>
           </p:cNvPr>
           <p:cNvCxnSpPr>
             <a:cxnSpLocks/>
-            <a:stCxn id="9" idx="3"/>
-            <a:endCxn id="250" idx="2"/>
+            <a:stCxn id="21" idx="3"/>
+            <a:endCxn id="255" idx="2"/>
           </p:cNvCxnSpPr>
           <p:nvPr/>
         </p:nvCxnSpPr>
         <p:spPr>
-          <a:xfrm>
-            <a:off x="7438977" y="3775714"/>
-            <a:ext cx="178728" cy="6359"/>
+          <a:xfrm flipV="1">
+            <a:off x="1830022" y="3000633"/>
+            <a:ext cx="140969" cy="696"/>
           </a:xfrm>
           <a:prstGeom prst="line">
             <a:avLst/>
@@ -6584,10 +6584,10 @@
       </p:cxnSp>
       <p:sp>
         <p:nvSpPr>
-          <p:cNvPr id="255" name="Oval 254">
-            <a:extLst>
-              <a:ext uri="{FF2B5EF4-FFF2-40B4-BE49-F238E27FC236}">
-                <a16:creationId xmlns:a16="http://schemas.microsoft.com/office/drawing/2014/main" id="{325BFC4B-CBC9-733D-8960-970BCA89416F}"/>
+          <p:cNvPr id="260" name="Oval 259">
+            <a:extLst>
+              <a:ext uri="{FF2B5EF4-FFF2-40B4-BE49-F238E27FC236}">
+                <a16:creationId xmlns:a16="http://schemas.microsoft.com/office/drawing/2014/main" id="{5E812714-B116-85B2-2F27-43DF67E31478}"/>
               </a:ext>
             </a:extLst>
           </p:cNvPr>
@@ -6596,7 +6596,7 @@
         </p:nvSpPr>
         <p:spPr>
           <a:xfrm>
-            <a:off x="1970991" y="2746633"/>
+            <a:off x="1401303" y="1758704"/>
             <a:ext cx="970629" cy="508000"/>
           </a:xfrm>
           <a:prstGeom prst="ellipse">
@@ -6629,98 +6629,6 @@
             <a:pPr algn="ctr"/>
             <a:r>
               <a:rPr lang="en-DK" sz="1200" u="sng" dirty="0"/>
-              <a:t>Cusine name</a:t>
-            </a:r>
-          </a:p>
-        </p:txBody>
-      </p:sp>
-      <p:cxnSp>
-        <p:nvCxnSpPr>
-          <p:cNvPr id="256" name="Straight Connector 255">
-            <a:extLst>
-              <a:ext uri="{FF2B5EF4-FFF2-40B4-BE49-F238E27FC236}">
-                <a16:creationId xmlns:a16="http://schemas.microsoft.com/office/drawing/2014/main" id="{D7B63E7C-1D5E-6D52-2D7C-1059B9FC20BB}"/>
-              </a:ext>
-            </a:extLst>
-          </p:cNvPr>
-          <p:cNvCxnSpPr>
-            <a:cxnSpLocks/>
-            <a:stCxn id="21" idx="3"/>
-            <a:endCxn id="255" idx="2"/>
-          </p:cNvCxnSpPr>
-          <p:nvPr/>
-        </p:nvCxnSpPr>
-        <p:spPr>
-          <a:xfrm flipV="1">
-            <a:off x="1830022" y="3000633"/>
-            <a:ext cx="140969" cy="696"/>
-          </a:xfrm>
-          <a:prstGeom prst="line">
-            <a:avLst/>
-          </a:prstGeom>
-        </p:spPr>
-        <p:style>
-          <a:lnRef idx="1">
-            <a:schemeClr val="dk1"/>
-          </a:lnRef>
-          <a:fillRef idx="0">
-            <a:schemeClr val="dk1"/>
-          </a:fillRef>
-          <a:effectRef idx="0">
-            <a:schemeClr val="dk1"/>
-          </a:effectRef>
-          <a:fontRef idx="minor">
-            <a:schemeClr val="tx1"/>
-          </a:fontRef>
-        </p:style>
-      </p:cxnSp>
-      <p:sp>
-        <p:nvSpPr>
-          <p:cNvPr id="260" name="Oval 259">
-            <a:extLst>
-              <a:ext uri="{FF2B5EF4-FFF2-40B4-BE49-F238E27FC236}">
-                <a16:creationId xmlns:a16="http://schemas.microsoft.com/office/drawing/2014/main" id="{5E812714-B116-85B2-2F27-43DF67E31478}"/>
-              </a:ext>
-            </a:extLst>
-          </p:cNvPr>
-          <p:cNvSpPr/>
-          <p:nvPr/>
-        </p:nvSpPr>
-        <p:spPr>
-          <a:xfrm>
-            <a:off x="1401303" y="1758704"/>
-            <a:ext cx="970629" cy="508000"/>
-          </a:xfrm>
-          <a:prstGeom prst="ellipse">
-            <a:avLst/>
-          </a:prstGeom>
-          <a:ln>
-            <a:solidFill>
-              <a:schemeClr val="tx1"/>
-            </a:solidFill>
-          </a:ln>
-        </p:spPr>
-        <p:style>
-          <a:lnRef idx="2">
-            <a:schemeClr val="accent6"/>
-          </a:lnRef>
-          <a:fillRef idx="1">
-            <a:schemeClr val="lt1"/>
-          </a:fillRef>
-          <a:effectRef idx="0">
-            <a:schemeClr val="accent6"/>
-          </a:effectRef>
-          <a:fontRef idx="minor">
-            <a:schemeClr val="dk1"/>
-          </a:fontRef>
-        </p:style>
-        <p:txBody>
-          <a:bodyPr rtlCol="0" anchor="ctr"/>
-          <a:lstStyle/>
-          <a:p>
-            <a:pPr algn="ctr"/>
-            <a:r>
-              <a:rPr lang="en-DK" sz="1200" u="sng" dirty="0"/>
               <a:t>Rating</a:t>
             </a:r>
           </a:p>
@@ -6746,96 +6654,6 @@
           <a:xfrm>
             <a:off x="1886618" y="2266704"/>
             <a:ext cx="1021353" cy="388692"/>
-          </a:xfrm>
-          <a:prstGeom prst="line">
-            <a:avLst/>
-          </a:prstGeom>
-        </p:spPr>
-        <p:style>
-          <a:lnRef idx="1">
-            <a:schemeClr val="dk1"/>
-          </a:lnRef>
-          <a:fillRef idx="0">
-            <a:schemeClr val="dk1"/>
-          </a:fillRef>
-          <a:effectRef idx="0">
-            <a:schemeClr val="dk1"/>
-          </a:effectRef>
-          <a:fontRef idx="minor">
-            <a:schemeClr val="tx1"/>
-          </a:fontRef>
-        </p:style>
-      </p:cxnSp>
-      <p:sp>
-        <p:nvSpPr>
-          <p:cNvPr id="270" name="Oval 269">
-            <a:extLst>
-              <a:ext uri="{FF2B5EF4-FFF2-40B4-BE49-F238E27FC236}">
-                <a16:creationId xmlns:a16="http://schemas.microsoft.com/office/drawing/2014/main" id="{0495A95D-EF14-1287-50ED-EB3BE17007DC}"/>
-              </a:ext>
-            </a:extLst>
-          </p:cNvPr>
-          <p:cNvSpPr/>
-          <p:nvPr/>
-        </p:nvSpPr>
-        <p:spPr>
-          <a:xfrm>
-            <a:off x="10117374" y="3606184"/>
-            <a:ext cx="859589" cy="571851"/>
-          </a:xfrm>
-          <a:prstGeom prst="ellipse">
-            <a:avLst/>
-          </a:prstGeom>
-          <a:ln>
-            <a:solidFill>
-              <a:schemeClr val="tx1"/>
-            </a:solidFill>
-          </a:ln>
-        </p:spPr>
-        <p:style>
-          <a:lnRef idx="2">
-            <a:schemeClr val="accent6"/>
-          </a:lnRef>
-          <a:fillRef idx="1">
-            <a:schemeClr val="lt1"/>
-          </a:fillRef>
-          <a:effectRef idx="0">
-            <a:schemeClr val="accent6"/>
-          </a:effectRef>
-          <a:fontRef idx="minor">
-            <a:schemeClr val="dk1"/>
-          </a:fontRef>
-        </p:style>
-        <p:txBody>
-          <a:bodyPr rtlCol="0" anchor="ctr"/>
-          <a:lstStyle/>
-          <a:p>
-            <a:pPr algn="ctr"/>
-            <a:r>
-              <a:rPr lang="en-DK" sz="1200" dirty="0"/>
-              <a:t>Pickup Time</a:t>
-            </a:r>
-          </a:p>
-        </p:txBody>
-      </p:sp>
-      <p:cxnSp>
-        <p:nvCxnSpPr>
-          <p:cNvPr id="271" name="Straight Connector 270">
-            <a:extLst>
-              <a:ext uri="{FF2B5EF4-FFF2-40B4-BE49-F238E27FC236}">
-                <a16:creationId xmlns:a16="http://schemas.microsoft.com/office/drawing/2014/main" id="{51630F67-04E3-0749-5A84-03BF8FBF6540}"/>
-              </a:ext>
-            </a:extLst>
-          </p:cNvPr>
-          <p:cNvCxnSpPr>
-            <a:cxnSpLocks/>
-          </p:cNvCxnSpPr>
-          <p:nvPr/>
-        </p:nvCxnSpPr>
-        <p:spPr>
-          <a:xfrm flipV="1">
-            <a:off x="10290191" y="4181214"/>
-            <a:ext cx="206263" cy="149158"/>
           </a:xfrm>
           <a:prstGeom prst="line">
             <a:avLst/>

--- a/assignment1/task1/ER-assignment1.pptx
+++ b/assignment1/task1/ER-assignment1.pptx
@@ -4760,7 +4760,7 @@
             <a:solidFill>
               <a:schemeClr val="tx1"/>
             </a:solidFill>
-            <a:tailEnd type="arrow"/>
+            <a:tailEnd type="triangle"/>
           </a:ln>
         </p:spPr>
         <p:style>
@@ -5452,7 +5452,7 @@
             <a:pPr algn="ctr"/>
             <a:r>
               <a:rPr lang="en-DK" sz="1200" dirty="0"/>
-              <a:t>R Address</a:t>
+              <a:t>Area</a:t>
             </a:r>
           </a:p>
         </p:txBody>
@@ -5543,7 +5543,7 @@
             <a:pPr algn="ctr"/>
             <a:r>
               <a:rPr lang="en-DK" sz="1200" dirty="0"/>
-              <a:t>C Address</a:t>
+              <a:t>Area</a:t>
             </a:r>
           </a:p>
         </p:txBody>
@@ -5634,7 +5634,7 @@
             <a:pPr algn="ctr"/>
             <a:r>
               <a:rPr lang="en-DK" sz="1200" dirty="0"/>
-              <a:t>Cour Address</a:t>
+              <a:t>Area</a:t>
             </a:r>
           </a:p>
         </p:txBody>
